--- a/docs/figs/logo.pptx
+++ b/docs/figs/logo.pptx
@@ -3427,8 +3427,8 @@
         </p:nvSpPr>
         <p:spPr>
           <a:xfrm>
-            <a:off x="-101105" y="547145"/>
-            <a:ext cx="2844305" cy="923330"/>
+            <a:off x="-50670" y="647042"/>
+            <a:ext cx="2895344" cy="830997"/>
           </a:xfrm>
           <a:prstGeom prst="rect">
             <a:avLst/>
@@ -3442,10 +3442,16 @@
           <a:lstStyle/>
           <a:p>
             <a:r>
-              <a:rPr lang="en-US" sz="5400" dirty="0"/>
+              <a:rPr lang="en-US" sz="4800" dirty="0">
+                <a:latin typeface="Aharoni" panose="02010803020104030203" pitchFamily="2" charset="-79"/>
+                <a:cs typeface="Aharoni" panose="02010803020104030203" pitchFamily="2" charset="-79"/>
+              </a:rPr>
               <a:t>D3 Graph</a:t>
             </a:r>
-            <a:endParaRPr lang="nl-NL" sz="5400" dirty="0"/>
+            <a:endParaRPr lang="nl-NL" sz="4800" dirty="0">
+              <a:latin typeface="Aharoni" panose="02010803020104030203" pitchFamily="2" charset="-79"/>
+              <a:cs typeface="Aharoni" panose="02010803020104030203" pitchFamily="2" charset="-79"/>
+            </a:endParaRPr>
           </a:p>
         </p:txBody>
       </p:sp>
@@ -3465,20 +3471,27 @@
         </p:nvSpPr>
         <p:spPr>
           <a:xfrm>
-            <a:off x="688514" y="1291454"/>
+            <a:off x="663116" y="1291454"/>
             <a:ext cx="251619" cy="251619"/>
           </a:xfrm>
           <a:prstGeom prst="ellipse">
             <a:avLst/>
           </a:prstGeom>
           <a:solidFill>
-            <a:schemeClr val="accent4"/>
+            <a:schemeClr val="accent5"/>
           </a:solidFill>
           <a:ln w="38100">
             <a:solidFill>
               <a:schemeClr val="tx1"/>
             </a:solidFill>
           </a:ln>
+          <a:effectLst>
+            <a:outerShdw blurRad="63500" sx="102000" sy="102000" algn="ctr" rotWithShape="0">
+              <a:prstClr val="black">
+                <a:alpha val="40000"/>
+              </a:prstClr>
+            </a:outerShdw>
+          </a:effectLst>
         </p:spPr>
         <p:style>
           <a:lnRef idx="2">
@@ -3525,7 +3538,7 @@
         </p:nvSpPr>
         <p:spPr>
           <a:xfrm>
-            <a:off x="810372" y="543411"/>
+            <a:off x="784974" y="543411"/>
             <a:ext cx="186492" cy="186492"/>
           </a:xfrm>
           <a:prstGeom prst="ellipse">
@@ -3539,6 +3552,13 @@
               <a:schemeClr val="tx1"/>
             </a:solidFill>
           </a:ln>
+          <a:effectLst>
+            <a:outerShdw blurRad="63500" sx="102000" sy="102000" algn="ctr" rotWithShape="0">
+              <a:prstClr val="black">
+                <a:alpha val="40000"/>
+              </a:prstClr>
+            </a:outerShdw>
+          </a:effectLst>
         </p:spPr>
         <p:style>
           <a:lnRef idx="2">
@@ -3585,22 +3605,27 @@
         </p:nvSpPr>
         <p:spPr>
           <a:xfrm>
-            <a:off x="2009208" y="958319"/>
-            <a:ext cx="190500" cy="229484"/>
+            <a:off x="2119276" y="1015229"/>
+            <a:ext cx="162493" cy="171981"/>
           </a:xfrm>
           <a:prstGeom prst="ellipse">
             <a:avLst/>
           </a:prstGeom>
           <a:solidFill>
-            <a:schemeClr val="accent2">
-              <a:lumMod val="50000"/>
-            </a:schemeClr>
+            <a:schemeClr val="bg2"/>
           </a:solidFill>
           <a:ln w="38100">
             <a:solidFill>
               <a:schemeClr val="tx1"/>
             </a:solidFill>
           </a:ln>
+          <a:effectLst>
+            <a:outerShdw blurRad="63500" sx="102000" sy="102000" algn="ctr" rotWithShape="0">
+              <a:prstClr val="black">
+                <a:alpha val="40000"/>
+              </a:prstClr>
+            </a:outerShdw>
+          </a:effectLst>
         </p:spPr>
         <p:style>
           <a:lnRef idx="2">
@@ -3647,23 +3672,27 @@
         </p:nvSpPr>
         <p:spPr>
           <a:xfrm>
-            <a:off x="2201302" y="373057"/>
+            <a:off x="2294847" y="324432"/>
             <a:ext cx="313928" cy="313928"/>
           </a:xfrm>
           <a:prstGeom prst="ellipse">
             <a:avLst/>
           </a:prstGeom>
           <a:solidFill>
-            <a:schemeClr val="accent1">
-              <a:lumMod val="20000"/>
-              <a:lumOff val="80000"/>
-            </a:schemeClr>
+            <a:schemeClr val="accent5"/>
           </a:solidFill>
           <a:ln w="38100">
             <a:solidFill>
               <a:schemeClr val="tx1"/>
             </a:solidFill>
           </a:ln>
+          <a:effectLst>
+            <a:outerShdw blurRad="63500" sx="102000" sy="102000" algn="ctr" rotWithShape="0">
+              <a:prstClr val="black">
+                <a:alpha val="40000"/>
+              </a:prstClr>
+            </a:outerShdw>
+          </a:effectLst>
         </p:spPr>
         <p:style>
           <a:lnRef idx="2">
@@ -3710,7 +3739,7 @@
         </p:nvSpPr>
         <p:spPr>
           <a:xfrm>
-            <a:off x="1473409" y="85740"/>
+            <a:off x="1447716" y="275808"/>
             <a:ext cx="411177" cy="411177"/>
           </a:xfrm>
           <a:prstGeom prst="ellipse">
@@ -3724,6 +3753,13 @@
               <a:schemeClr val="tx1"/>
             </a:solidFill>
           </a:ln>
+          <a:effectLst>
+            <a:outerShdw blurRad="63500" sx="102000" sy="102000" algn="ctr" rotWithShape="0">
+              <a:prstClr val="black">
+                <a:alpha val="40000"/>
+              </a:prstClr>
+            </a:outerShdw>
+          </a:effectLst>
         </p:spPr>
         <p:style>
           <a:lnRef idx="2">
@@ -3765,13 +3801,14 @@
           </p:cNvPr>
           <p:cNvCxnSpPr>
             <a:cxnSpLocks/>
+            <a:stCxn id="63" idx="2"/>
           </p:cNvCxnSpPr>
           <p:nvPr/>
         </p:nvCxnSpPr>
         <p:spPr>
           <a:xfrm flipH="1">
-            <a:off x="993314" y="358004"/>
-            <a:ext cx="476250" cy="219075"/>
+            <a:off x="971466" y="481397"/>
+            <a:ext cx="476250" cy="128203"/>
           </a:xfrm>
           <a:prstGeom prst="line">
             <a:avLst/>
@@ -3782,6 +3819,13 @@
             </a:solidFill>
             <a:tailEnd type="triangle" w="sm" len="sm"/>
           </a:ln>
+          <a:effectLst>
+            <a:outerShdw blurRad="50800" dist="38100" dir="8100000" algn="tr" rotWithShape="0">
+              <a:prstClr val="black">
+                <a:alpha val="40000"/>
+              </a:prstClr>
+            </a:outerShdw>
+          </a:effectLst>
         </p:spPr>
         <p:style>
           <a:lnRef idx="1">
@@ -3809,13 +3853,15 @@
           </p:cNvPr>
           <p:cNvCxnSpPr>
             <a:cxnSpLocks/>
+            <a:stCxn id="63" idx="6"/>
+            <a:endCxn id="62" idx="2"/>
           </p:cNvCxnSpPr>
           <p:nvPr/>
         </p:nvCxnSpPr>
         <p:spPr>
-          <a:xfrm>
-            <a:off x="1852822" y="408018"/>
-            <a:ext cx="332603" cy="55276"/>
+          <a:xfrm flipV="1">
+            <a:off x="1858893" y="481396"/>
+            <a:ext cx="435954" cy="1"/>
           </a:xfrm>
           <a:prstGeom prst="line">
             <a:avLst/>
@@ -3826,6 +3872,13 @@
             </a:solidFill>
             <a:tailEnd type="triangle" w="sm" len="sm"/>
           </a:ln>
+          <a:effectLst>
+            <a:outerShdw blurRad="50800" dist="38100" dir="8100000" algn="tr" rotWithShape="0">
+              <a:prstClr val="black">
+                <a:alpha val="40000"/>
+              </a:prstClr>
+            </a:outerShdw>
+          </a:effectLst>
         </p:spPr>
         <p:style>
           <a:lnRef idx="1">
@@ -3858,7 +3911,7 @@
         </p:nvCxnSpPr>
         <p:spPr>
           <a:xfrm flipH="1">
-            <a:off x="827416" y="735829"/>
+            <a:off x="802018" y="735829"/>
             <a:ext cx="63500" cy="558800"/>
           </a:xfrm>
           <a:prstGeom prst="line">
@@ -3869,6 +3922,13 @@
               <a:schemeClr val="tx1"/>
             </a:solidFill>
           </a:ln>
+          <a:effectLst>
+            <a:outerShdw blurRad="50800" dist="38100" dir="5400000" algn="t" rotWithShape="0">
+              <a:prstClr val="black">
+                <a:alpha val="40000"/>
+              </a:prstClr>
+            </a:outerShdw>
+          </a:effectLst>
         </p:spPr>
         <p:style>
           <a:lnRef idx="1">
@@ -3901,23 +3961,27 @@
         </p:nvSpPr>
         <p:spPr>
           <a:xfrm>
-            <a:off x="382129" y="1476375"/>
+            <a:off x="356731" y="1476375"/>
             <a:ext cx="190500" cy="190500"/>
           </a:xfrm>
           <a:prstGeom prst="ellipse">
             <a:avLst/>
           </a:prstGeom>
           <a:solidFill>
-            <a:schemeClr val="accent1">
-              <a:lumMod val="20000"/>
-              <a:lumOff val="80000"/>
-            </a:schemeClr>
+            <a:schemeClr val="accent5"/>
           </a:solidFill>
           <a:ln w="38100">
             <a:solidFill>
               <a:schemeClr val="tx1"/>
             </a:solidFill>
           </a:ln>
+          <a:effectLst>
+            <a:outerShdw blurRad="63500" sx="102000" sy="102000" algn="ctr" rotWithShape="0">
+              <a:prstClr val="black">
+                <a:alpha val="40000"/>
+              </a:prstClr>
+            </a:outerShdw>
+          </a:effectLst>
         </p:spPr>
         <p:style>
           <a:lnRef idx="2">
@@ -3964,7 +4028,7 @@
         </p:nvCxnSpPr>
         <p:spPr>
           <a:xfrm flipH="1">
-            <a:off x="581926" y="1467638"/>
+            <a:off x="553353" y="1470813"/>
             <a:ext cx="104207" cy="56090"/>
           </a:xfrm>
           <a:prstGeom prst="line">
@@ -3976,6 +4040,13 @@
             </a:solidFill>
             <a:tailEnd type="triangle" w="sm" len="sm"/>
           </a:ln>
+          <a:effectLst>
+            <a:outerShdw blurRad="50800" dist="38100" dir="8100000" algn="tr" rotWithShape="0">
+              <a:prstClr val="black">
+                <a:alpha val="40000"/>
+              </a:prstClr>
+            </a:outerShdw>
+          </a:effectLst>
         </p:spPr>
         <p:style>
           <a:lnRef idx="1">
@@ -4008,22 +4079,27 @@
         </p:nvSpPr>
         <p:spPr>
           <a:xfrm>
-            <a:off x="1894930" y="1495683"/>
+            <a:off x="1981718" y="1520553"/>
             <a:ext cx="186492" cy="186492"/>
           </a:xfrm>
           <a:prstGeom prst="ellipse">
             <a:avLst/>
           </a:prstGeom>
           <a:solidFill>
-            <a:schemeClr val="accent2">
-              <a:lumMod val="50000"/>
-            </a:schemeClr>
+            <a:schemeClr val="bg2"/>
           </a:solidFill>
           <a:ln w="38100">
             <a:solidFill>
               <a:schemeClr val="tx1"/>
             </a:solidFill>
           </a:ln>
+          <a:effectLst>
+            <a:outerShdw blurRad="63500" sx="102000" sy="102000" algn="ctr" rotWithShape="0">
+              <a:prstClr val="black">
+                <a:alpha val="40000"/>
+              </a:prstClr>
+            </a:outerShdw>
+          </a:effectLst>
         </p:spPr>
         <p:style>
           <a:lnRef idx="2">
@@ -4070,7 +4146,7 @@
         </p:nvCxnSpPr>
         <p:spPr>
           <a:xfrm flipH="1">
-            <a:off x="1987683" y="1237331"/>
+            <a:off x="2070238" y="1255851"/>
             <a:ext cx="0" cy="252000"/>
           </a:xfrm>
           <a:prstGeom prst="line">
@@ -4082,6 +4158,13 @@
             </a:solidFill>
             <a:tailEnd type="triangle" w="lg" len="lg"/>
           </a:ln>
+          <a:effectLst>
+            <a:outerShdw blurRad="50800" dist="38100" dir="5400000" algn="t" rotWithShape="0">
+              <a:prstClr val="black">
+                <a:alpha val="40000"/>
+              </a:prstClr>
+            </a:outerShdw>
+          </a:effectLst>
         </p:spPr>
         <p:style>
           <a:lnRef idx="1">
@@ -4100,10 +4183,10 @@
       </p:cxnSp>
       <p:cxnSp>
         <p:nvCxnSpPr>
-          <p:cNvPr id="12" name="Straight Connector 11">
+          <p:cNvPr id="9" name="Straight Connector 8">
             <a:extLst>
               <a:ext uri="{FF2B5EF4-FFF2-40B4-BE49-F238E27FC236}">
-                <a16:creationId xmlns:a16="http://schemas.microsoft.com/office/drawing/2014/main" id="{A9099308-156F-5A20-B990-3ADCD5B49D4C}"/>
+                <a16:creationId xmlns:a16="http://schemas.microsoft.com/office/drawing/2014/main" id="{017ADB61-93EC-4D73-A1EB-6FE19BB6518B}"/>
               </a:ext>
             </a:extLst>
           </p:cNvPr>
@@ -4113,9 +4196,9 @@
           <p:nvPr/>
         </p:nvCxnSpPr>
         <p:spPr>
-          <a:xfrm>
-            <a:off x="1786280" y="483566"/>
-            <a:ext cx="272436" cy="453650"/>
+          <a:xfrm flipV="1">
+            <a:off x="2451811" y="661211"/>
+            <a:ext cx="0" cy="256364"/>
           </a:xfrm>
           <a:prstGeom prst="line">
             <a:avLst/>
@@ -4124,8 +4207,15 @@
             <a:solidFill>
               <a:schemeClr val="tx1"/>
             </a:solidFill>
-            <a:tailEnd type="triangle" w="sm" len="sm"/>
+            <a:tailEnd type="triangle" w="lg" len="lg"/>
           </a:ln>
+          <a:effectLst>
+            <a:outerShdw blurRad="50800" dist="38100" dir="5400000" algn="t" rotWithShape="0">
+              <a:prstClr val="black">
+                <a:alpha val="40000"/>
+              </a:prstClr>
+            </a:outerShdw>
+          </a:effectLst>
         </p:spPr>
         <p:style>
           <a:lnRef idx="1">
